--- a/Mediator/presentation/mediator_design_pattern.pptx
+++ b/Mediator/presentation/mediator_design_pattern.pptx
@@ -110,6 +110,11 @@
       </a:defRPr>
     </a:lvl9pPr>
   </p:defaultTextStyle>
+  <p:extLst>
+    <p:ext uri="{EFAFB233-063F-42B5-8137-9DF3F51BA10A}">
+      <p15:sldGuideLst xmlns:p15="http://schemas.microsoft.com/office/powerpoint/2012/main"/>
+    </p:ext>
+  </p:extLst>
 </p:presentation>
 </file>
 
@@ -195,7 +200,7 @@
           <a:p>
             <a:fld id="{B13A9217-3BCE-4A3C-B47E-81DB2CD54F89}" type="datetimeFigureOut">
               <a:rPr lang="de-AT" smtClean="0"/>
-              <a:t>13.12.2016</a:t>
+              <a:t>14.12.2016</a:t>
             </a:fld>
             <a:endParaRPr lang="de-AT"/>
           </a:p>
@@ -508,17 +513,33 @@
           <a:lstStyle/>
           <a:p>
             <a:r>
-              <a:rPr lang="de-AT"/>
+              <a:rPr lang="de-AT" dirty="0"/>
               <a:t>Kategorie</a:t>
             </a:r>
             <a:r>
-              <a:rPr lang="de-AT" baseline="0"/>
-              <a:t> der Verhaltensmuster</a:t>
-            </a:r>
-          </a:p>
-          <a:p>
-            <a:r>
-              <a:rPr lang="de-AT" sz="1200" b="0" i="0" kern="1200">
+              <a:rPr lang="de-AT" baseline="0" dirty="0"/>
+              <a:t>: Verhaltensmuster (</a:t>
+            </a:r>
+            <a:r>
+              <a:rPr lang="de-AT" baseline="0" dirty="0" err="1"/>
+              <a:t>behavioral</a:t>
+            </a:r>
+            <a:r>
+              <a:rPr lang="de-AT" baseline="0" dirty="0"/>
+              <a:t> </a:t>
+            </a:r>
+            <a:r>
+              <a:rPr lang="de-AT" baseline="0" dirty="0" err="1"/>
+              <a:t>pattern</a:t>
+            </a:r>
+            <a:r>
+              <a:rPr lang="de-AT" baseline="0" dirty="0"/>
+              <a:t>)</a:t>
+            </a:r>
+          </a:p>
+          <a:p>
+            <a:r>
+              <a:rPr lang="de-AT" sz="1200" b="0" i="0" kern="1200" dirty="0">
                 <a:solidFill>
                   <a:schemeClr val="tx1"/>
                 </a:solidFill>
@@ -531,7 +552,7 @@
             </a:r>
           </a:p>
           <a:p>
-            <a:endParaRPr lang="de-AT"/>
+            <a:endParaRPr lang="de-AT" dirty="0"/>
           </a:p>
         </p:txBody>
       </p:sp>
@@ -620,7 +641,7 @@
               <a:buChar char="•"/>
             </a:pPr>
             <a:r>
-              <a:rPr lang="de-AT" sz="1200" b="0" i="0" kern="1200">
+              <a:rPr lang="de-AT" sz="1200" b="0" i="0" kern="1200" dirty="0">
                 <a:solidFill>
                   <a:schemeClr val="tx1"/>
                 </a:solidFill>
@@ -638,7 +659,7 @@
               <a:buChar char="•"/>
             </a:pPr>
             <a:r>
-              <a:rPr lang="de-AT" sz="1200" b="0" i="0" kern="1200">
+              <a:rPr lang="de-AT" sz="1200" b="0" i="0" kern="1200" dirty="0">
                 <a:solidFill>
                   <a:schemeClr val="tx1"/>
                 </a:solidFill>
@@ -656,7 +677,7 @@
               <a:buChar char="•"/>
             </a:pPr>
             <a:r>
-              <a:rPr lang="de-AT" sz="1200" b="0" i="0" kern="1200">
+              <a:rPr lang="de-AT" sz="1200" b="0" i="0" kern="1200" dirty="0">
                 <a:solidFill>
                   <a:schemeClr val="tx1"/>
                 </a:solidFill>
@@ -669,14 +690,13 @@
             </a:r>
           </a:p>
           <a:p>
-            <a:endParaRPr lang="de-AT"/>
-          </a:p>
-          <a:p>
-            <a:r>
-              <a:rPr lang="de-AT"/>
+            <a:endParaRPr lang="de-AT" dirty="0"/>
+          </a:p>
+          <a:p>
+            <a:r>
+              <a:rPr lang="de-AT" dirty="0"/>
               <a:t>(Wikipedia)</a:t>
             </a:r>
-            <a:endParaRPr lang="de-AT"/>
           </a:p>
         </p:txBody>
       </p:sp>
@@ -761,74 +781,162 @@
           <a:lstStyle/>
           <a:p>
             <a:r>
-              <a:rPr lang="de-AT" b="1"/>
-              <a:t>Single Responsibility:</a:t>
-            </a:r>
-            <a:r>
-              <a:rPr lang="de-AT" b="0"/>
+              <a:rPr lang="de-AT" b="1" dirty="0"/>
+              <a:t>Single </a:t>
+            </a:r>
+            <a:r>
+              <a:rPr lang="de-AT" b="1" dirty="0" err="1"/>
+              <a:t>Responsibility</a:t>
+            </a:r>
+            <a:r>
+              <a:rPr lang="de-AT" b="1" dirty="0"/>
+              <a:t>:</a:t>
+            </a:r>
+            <a:r>
+              <a:rPr lang="de-AT" b="0" dirty="0"/>
               <a:t> </a:t>
             </a:r>
             <a:r>
-              <a:rPr lang="de-AT"/>
+              <a:rPr lang="de-AT" dirty="0"/>
               <a:t>Mediatorimplementierung</a:t>
             </a:r>
             <a:r>
-              <a:rPr lang="de-AT" baseline="0"/>
-              <a:t> nur eine Aufgabe, Colleagues können auf SR implementiert sein</a:t>
-            </a:r>
-            <a:endParaRPr lang="de-AT" b="1"/>
-          </a:p>
-          <a:p>
-            <a:r>
-              <a:rPr lang="de-AT" b="1"/>
-              <a:t>Open/closed:</a:t>
-            </a:r>
-            <a:r>
-              <a:rPr lang="de-AT" b="0"/>
+              <a:rPr lang="de-AT" baseline="0" dirty="0"/>
+              <a:t> nur eine Aufgabe, </a:t>
+            </a:r>
+            <a:r>
+              <a:rPr lang="de-AT" baseline="0" dirty="0" err="1"/>
+              <a:t>Colleagues</a:t>
+            </a:r>
+            <a:r>
+              <a:rPr lang="de-AT" baseline="0" dirty="0"/>
+              <a:t> können </a:t>
+            </a:r>
+            <a:r>
+              <a:rPr lang="de-AT" baseline="0" dirty="0" err="1"/>
+              <a:t>SingleResponsibility</a:t>
+            </a:r>
+            <a:r>
+              <a:rPr lang="de-AT" baseline="0" dirty="0"/>
+              <a:t> implementiert sein</a:t>
+            </a:r>
+            <a:endParaRPr lang="de-AT" b="1" dirty="0"/>
+          </a:p>
+          <a:p>
+            <a:r>
+              <a:rPr lang="de-AT" b="1" dirty="0"/>
+              <a:t>Open/</a:t>
+            </a:r>
+            <a:r>
+              <a:rPr lang="de-AT" b="1" dirty="0" err="1"/>
+              <a:t>closed</a:t>
+            </a:r>
+            <a:r>
+              <a:rPr lang="de-AT" b="1" dirty="0"/>
+              <a:t>:</a:t>
+            </a:r>
+            <a:r>
+              <a:rPr lang="de-AT" b="0" dirty="0"/>
               <a:t> Offen für Erweiterung, Geschlossen für Veränderung</a:t>
             </a:r>
-            <a:endParaRPr lang="de-AT" b="1"/>
-          </a:p>
-          <a:p>
-            <a:r>
-              <a:rPr lang="de-AT" b="1"/>
-              <a:t>Liskov substitution:</a:t>
-            </a:r>
-            <a:r>
-              <a:rPr lang="de-AT" b="0"/>
+            <a:endParaRPr lang="de-AT" b="1" dirty="0"/>
+          </a:p>
+          <a:p>
+            <a:r>
+              <a:rPr lang="de-AT" b="1" dirty="0" err="1"/>
+              <a:t>Liskov</a:t>
+            </a:r>
+            <a:r>
+              <a:rPr lang="de-AT" b="1" dirty="0"/>
               <a:t> </a:t>
             </a:r>
             <a:r>
-              <a:rPr lang="de-AT" sz="1200" b="0" baseline="0"/>
+              <a:rPr lang="de-AT" b="1" dirty="0" err="1"/>
+              <a:t>substitution</a:t>
+            </a:r>
+            <a:r>
+              <a:rPr lang="de-AT" b="1" dirty="0"/>
+              <a:t>:</a:t>
+            </a:r>
+            <a:r>
+              <a:rPr lang="de-AT" b="0" dirty="0"/>
+              <a:t> </a:t>
+            </a:r>
+            <a:r>
+              <a:rPr lang="de-AT" sz="1200" b="0" baseline="0" dirty="0"/>
               <a:t>Operationen der Superklasse auf ein Objekt der Subklasse angewendet, werden korrekt ausgeführt</a:t>
             </a:r>
-            <a:endParaRPr lang="de-AT" b="1"/>
-          </a:p>
-          <a:p>
-            <a:r>
-              <a:rPr lang="de-AT" b="1"/>
-              <a:t>Interface segregation:</a:t>
-            </a:r>
-            <a:r>
-              <a:rPr lang="de-AT" b="0" baseline="0"/>
+            <a:endParaRPr lang="de-AT" b="1" dirty="0"/>
+          </a:p>
+          <a:p>
+            <a:r>
+              <a:rPr lang="de-AT" b="1" dirty="0"/>
+              <a:t>Interface </a:t>
+            </a:r>
+            <a:r>
+              <a:rPr lang="de-AT" b="1" dirty="0" err="1"/>
+              <a:t>segregation</a:t>
+            </a:r>
+            <a:r>
+              <a:rPr lang="de-AT" b="1" dirty="0"/>
+              <a:t>:</a:t>
+            </a:r>
+            <a:r>
+              <a:rPr lang="de-AT" b="0" baseline="0" dirty="0"/>
               <a:t> Abhängigkeit von nicht benötigten Methoden</a:t>
             </a:r>
-            <a:endParaRPr lang="de-AT" b="1"/>
-          </a:p>
-          <a:p>
-            <a:r>
-              <a:rPr lang="de-AT" b="1"/>
-              <a:t>Dependency inversion:</a:t>
-            </a:r>
-            <a:r>
-              <a:rPr lang="de-AT" b="0"/>
+            <a:endParaRPr lang="de-AT" b="1" dirty="0"/>
+          </a:p>
+          <a:p>
+            <a:r>
+              <a:rPr lang="de-AT" b="1" dirty="0" err="1"/>
+              <a:t>Dependency</a:t>
+            </a:r>
+            <a:r>
+              <a:rPr lang="de-AT" b="1" dirty="0"/>
               <a:t> </a:t>
             </a:r>
             <a:r>
-              <a:rPr lang="en-GB" sz="1200" b="0" baseline="0"/>
-              <a:t>Reduktion der Kopplung und hohe Kohäsion</a:t>
-            </a:r>
-            <a:endParaRPr lang="de-AT" b="1"/>
+              <a:rPr lang="de-AT" b="1" dirty="0" err="1"/>
+              <a:t>inversion</a:t>
+            </a:r>
+            <a:r>
+              <a:rPr lang="de-AT" b="1" dirty="0"/>
+              <a:t>:</a:t>
+            </a:r>
+            <a:r>
+              <a:rPr lang="de-AT" b="0" dirty="0"/>
+              <a:t> </a:t>
+            </a:r>
+            <a:r>
+              <a:rPr lang="en-GB" sz="1200" b="0" baseline="0" dirty="0" err="1"/>
+              <a:t>Reduktion</a:t>
+            </a:r>
+            <a:r>
+              <a:rPr lang="en-GB" sz="1200" b="0" baseline="0" dirty="0"/>
+              <a:t> der </a:t>
+            </a:r>
+            <a:r>
+              <a:rPr lang="en-GB" sz="1200" b="0" baseline="0" dirty="0" err="1"/>
+              <a:t>Kopplung</a:t>
+            </a:r>
+            <a:r>
+              <a:rPr lang="en-GB" sz="1200" b="0" baseline="0" dirty="0"/>
+              <a:t> und </a:t>
+            </a:r>
+            <a:r>
+              <a:rPr lang="en-GB" sz="1200" b="0" baseline="0" dirty="0" err="1"/>
+              <a:t>hohe</a:t>
+            </a:r>
+            <a:r>
+              <a:rPr lang="en-GB" sz="1200" b="0" baseline="0" dirty="0"/>
+              <a:t> </a:t>
+            </a:r>
+            <a:r>
+              <a:rPr lang="en-GB" sz="1200" b="0" baseline="0" dirty="0" err="1"/>
+              <a:t>Kohäsion</a:t>
+            </a:r>
+            <a:endParaRPr lang="de-AT" b="1" dirty="0"/>
           </a:p>
         </p:txBody>
       </p:sp>
@@ -1114,7 +1222,7 @@
             <a:fld id="{B61BEF0D-F0BB-DE4B-95CE-6DB70DBA9567}" type="datetimeFigureOut">
               <a:rPr lang="en-US" dirty="0"/>
               <a:pPr/>
-              <a:t>12/13/2016</a:t>
+              <a:t>12/14/2016</a:t>
             </a:fld>
             <a:endParaRPr lang="en-US" dirty="0"/>
           </a:p>
@@ -1373,7 +1481,7 @@
             <a:fld id="{B61BEF0D-F0BB-DE4B-95CE-6DB70DBA9567}" type="datetimeFigureOut">
               <a:rPr lang="en-US" dirty="0"/>
               <a:pPr/>
-              <a:t>12/13/2016</a:t>
+              <a:t>12/14/2016</a:t>
             </a:fld>
             <a:endParaRPr lang="en-US" dirty="0"/>
           </a:p>
@@ -1605,7 +1713,7 @@
             <a:fld id="{B61BEF0D-F0BB-DE4B-95CE-6DB70DBA9567}" type="datetimeFigureOut">
               <a:rPr lang="en-US" dirty="0"/>
               <a:pPr/>
-              <a:t>12/13/2016</a:t>
+              <a:t>12/14/2016</a:t>
             </a:fld>
             <a:endParaRPr lang="en-US" dirty="0"/>
           </a:p>
@@ -1842,7 +1950,7 @@
             <a:fld id="{B61BEF0D-F0BB-DE4B-95CE-6DB70DBA9567}" type="datetimeFigureOut">
               <a:rPr lang="en-US" dirty="0"/>
               <a:pPr/>
-              <a:t>12/13/2016</a:t>
+              <a:t>12/14/2016</a:t>
             </a:fld>
             <a:endParaRPr lang="en-US" dirty="0"/>
           </a:p>
@@ -2146,7 +2254,7 @@
             <a:fld id="{B61BEF0D-F0BB-DE4B-95CE-6DB70DBA9567}" type="datetimeFigureOut">
               <a:rPr lang="en-US" dirty="0"/>
               <a:pPr/>
-              <a:t>12/13/2016</a:t>
+              <a:t>12/14/2016</a:t>
             </a:fld>
             <a:endParaRPr lang="en-US" dirty="0"/>
           </a:p>
@@ -2445,7 +2553,7 @@
             <a:fld id="{B61BEF0D-F0BB-DE4B-95CE-6DB70DBA9567}" type="datetimeFigureOut">
               <a:rPr lang="en-US" dirty="0"/>
               <a:pPr/>
-              <a:t>12/13/2016</a:t>
+              <a:t>12/14/2016</a:t>
             </a:fld>
             <a:endParaRPr lang="en-US" dirty="0"/>
           </a:p>
@@ -2864,7 +2972,7 @@
             <a:fld id="{B61BEF0D-F0BB-DE4B-95CE-6DB70DBA9567}" type="datetimeFigureOut">
               <a:rPr lang="en-US" dirty="0"/>
               <a:pPr/>
-              <a:t>12/13/2016</a:t>
+              <a:t>12/14/2016</a:t>
             </a:fld>
             <a:endParaRPr lang="en-US" dirty="0"/>
           </a:p>
@@ -3023,7 +3131,7 @@
             <a:fld id="{B61BEF0D-F0BB-DE4B-95CE-6DB70DBA9567}" type="datetimeFigureOut">
               <a:rPr lang="en-US" dirty="0"/>
               <a:pPr/>
-              <a:t>12/13/2016</a:t>
+              <a:t>12/14/2016</a:t>
             </a:fld>
             <a:endParaRPr lang="en-US" dirty="0"/>
           </a:p>
@@ -3115,7 +3223,7 @@
             <a:fld id="{B61BEF0D-F0BB-DE4B-95CE-6DB70DBA9567}" type="datetimeFigureOut">
               <a:rPr lang="en-US" dirty="0"/>
               <a:pPr/>
-              <a:t>12/13/2016</a:t>
+              <a:t>12/14/2016</a:t>
             </a:fld>
             <a:endParaRPr lang="en-US" dirty="0"/>
           </a:p>
@@ -3490,7 +3598,7 @@
             <a:fld id="{B61BEF0D-F0BB-DE4B-95CE-6DB70DBA9567}" type="datetimeFigureOut">
               <a:rPr lang="en-US" dirty="0"/>
               <a:pPr/>
-              <a:t>12/13/2016</a:t>
+              <a:t>12/14/2016</a:t>
             </a:fld>
             <a:endParaRPr lang="en-US" dirty="0"/>
           </a:p>
@@ -3776,7 +3884,7 @@
             <a:fld id="{B61BEF0D-F0BB-DE4B-95CE-6DB70DBA9567}" type="datetimeFigureOut">
               <a:rPr lang="en-US" dirty="0"/>
               <a:pPr/>
-              <a:t>12/13/2016</a:t>
+              <a:t>12/14/2016</a:t>
             </a:fld>
             <a:endParaRPr lang="en-US" dirty="0"/>
           </a:p>
@@ -3984,7 +4092,7 @@
             <a:fld id="{B61BEF0D-F0BB-DE4B-95CE-6DB70DBA9567}" type="datetimeFigureOut">
               <a:rPr lang="en-US" dirty="0"/>
               <a:pPr/>
-              <a:t>12/13/2016</a:t>
+              <a:t>12/14/2016</a:t>
             </a:fld>
             <a:endParaRPr lang="en-US" dirty="0"/>
           </a:p>
@@ -4600,7 +4708,6 @@
               <a:rPr lang="de-AT"/>
               <a:t>Mediator Pattern </a:t>
             </a:r>
-            <a:endParaRPr lang="de-AT"/>
           </a:p>
         </p:txBody>
       </p:sp>
@@ -4623,7 +4730,6 @@
               <a:rPr lang="de-AT"/>
               <a:t>Jakob Tomasi | POS | LAND</a:t>
             </a:r>
-            <a:endParaRPr lang="de-AT"/>
           </a:p>
         </p:txBody>
       </p:sp>
@@ -4770,7 +4876,6 @@
               <a:rPr lang="de-AT"/>
               <a:t>USAGE</a:t>
             </a:r>
-            <a:endParaRPr lang="de-AT"/>
           </a:p>
         </p:txBody>
       </p:sp>
@@ -4805,7 +4910,6 @@
               <a:rPr lang="de-AT"/>
               <a:t>cooperating objects must not or should not communicate directly</a:t>
             </a:r>
-            <a:endParaRPr lang="de-AT"/>
           </a:p>
         </p:txBody>
       </p:sp>
@@ -4858,7 +4962,6 @@
               <a:rPr lang="de-AT"/>
               <a:t>SOLID</a:t>
             </a:r>
-            <a:endParaRPr lang="de-AT"/>
           </a:p>
         </p:txBody>
       </p:sp>
@@ -4878,34 +4981,66 @@
           <a:lstStyle/>
           <a:p>
             <a:r>
-              <a:rPr lang="de-AT"/>
-              <a:t>Single Responsibility</a:t>
-            </a:r>
-          </a:p>
-          <a:p>
-            <a:r>
-              <a:rPr lang="de-AT"/>
-              <a:t>Open/closed</a:t>
-            </a:r>
-          </a:p>
-          <a:p>
-            <a:r>
-              <a:rPr lang="de-AT"/>
-              <a:t>Liskov substitution</a:t>
-            </a:r>
-          </a:p>
-          <a:p>
-            <a:r>
-              <a:rPr lang="de-AT"/>
-              <a:t>Interface segregation</a:t>
-            </a:r>
-          </a:p>
-          <a:p>
-            <a:r>
-              <a:rPr lang="de-AT"/>
-              <a:t>Dependency inversion</a:t>
-            </a:r>
-            <a:endParaRPr lang="de-AT"/>
+              <a:rPr lang="de-AT" dirty="0"/>
+              <a:t>Single </a:t>
+            </a:r>
+            <a:r>
+              <a:rPr lang="de-AT" dirty="0" err="1"/>
+              <a:t>Responsibility</a:t>
+            </a:r>
+            <a:endParaRPr lang="de-AT" dirty="0"/>
+          </a:p>
+          <a:p>
+            <a:r>
+              <a:rPr lang="de-AT" dirty="0"/>
+              <a:t>Open/</a:t>
+            </a:r>
+            <a:r>
+              <a:rPr lang="de-AT" dirty="0" err="1"/>
+              <a:t>closed</a:t>
+            </a:r>
+            <a:endParaRPr lang="de-AT" dirty="0"/>
+          </a:p>
+          <a:p>
+            <a:r>
+              <a:rPr lang="de-AT" dirty="0" err="1"/>
+              <a:t>Liskov</a:t>
+            </a:r>
+            <a:r>
+              <a:rPr lang="de-AT" dirty="0"/>
+              <a:t> </a:t>
+            </a:r>
+            <a:r>
+              <a:rPr lang="de-AT" dirty="0" err="1"/>
+              <a:t>substitution</a:t>
+            </a:r>
+            <a:endParaRPr lang="de-AT" dirty="0"/>
+          </a:p>
+          <a:p>
+            <a:r>
+              <a:rPr lang="de-AT" dirty="0"/>
+              <a:t>Interface </a:t>
+            </a:r>
+            <a:r>
+              <a:rPr lang="de-AT" dirty="0" err="1"/>
+              <a:t>segregation</a:t>
+            </a:r>
+            <a:endParaRPr lang="de-AT" dirty="0"/>
+          </a:p>
+          <a:p>
+            <a:r>
+              <a:rPr lang="de-AT" dirty="0" err="1"/>
+              <a:t>Dependency</a:t>
+            </a:r>
+            <a:r>
+              <a:rPr lang="de-AT" dirty="0"/>
+              <a:t> </a:t>
+            </a:r>
+            <a:r>
+              <a:rPr lang="de-AT" dirty="0" err="1"/>
+              <a:t>inversion</a:t>
+            </a:r>
+            <a:endParaRPr lang="de-AT" dirty="0"/>
           </a:p>
         </p:txBody>
       </p:sp>
